--- a/Java library management.pptx
+++ b/Java library management.pptx
@@ -287,7 +287,7 @@
           <a:p>
             <a:fld id="{48A87A34-81AB-432B-8DAE-1953F412C126}" type="datetimeFigureOut">
               <a:rPr lang="en-US" dirty="0"/>
-              <a:t>7/9/2018</a:t>
+              <a:t>2018-07-10</a:t>
             </a:fld>
             <a:endParaRPr lang="en-US" dirty="0"/>
           </a:p>
@@ -549,7 +549,7 @@
           <a:p>
             <a:fld id="{48A87A34-81AB-432B-8DAE-1953F412C126}" type="datetimeFigureOut">
               <a:rPr lang="en-US" dirty="0"/>
-              <a:t>7/9/2018</a:t>
+              <a:t>2018-07-10</a:t>
             </a:fld>
             <a:endParaRPr lang="en-US" dirty="0"/>
           </a:p>
@@ -776,7 +776,7 @@
             <a:fld id="{48A87A34-81AB-432B-8DAE-1953F412C126}" type="datetimeFigureOut">
               <a:rPr lang="en-US" dirty="0"/>
               <a:pPr/>
-              <a:t>7/9/2018</a:t>
+              <a:t>2018-07-10</a:t>
             </a:fld>
             <a:endParaRPr lang="en-US" dirty="0"/>
           </a:p>
@@ -1082,7 +1082,7 @@
             <a:fld id="{48A87A34-81AB-432B-8DAE-1953F412C126}" type="datetimeFigureOut">
               <a:rPr lang="en-US" dirty="0"/>
               <a:pPr/>
-              <a:t>7/9/2018</a:t>
+              <a:t>2018-07-10</a:t>
             </a:fld>
             <a:endParaRPr lang="en-US" dirty="0"/>
           </a:p>
@@ -1551,7 +1551,7 @@
             <a:fld id="{48A87A34-81AB-432B-8DAE-1953F412C126}" type="datetimeFigureOut">
               <a:rPr lang="en-US" dirty="0"/>
               <a:pPr/>
-              <a:t>7/9/2018</a:t>
+              <a:t>2018-07-10</a:t>
             </a:fld>
             <a:endParaRPr lang="en-US" dirty="0"/>
           </a:p>
@@ -2093,7 +2093,7 @@
           <a:p>
             <a:fld id="{48A87A34-81AB-432B-8DAE-1953F412C126}" type="datetimeFigureOut">
               <a:rPr lang="en-US" dirty="0"/>
-              <a:t>7/9/2018</a:t>
+              <a:t>2018-07-10</a:t>
             </a:fld>
             <a:endParaRPr lang="en-US" dirty="0"/>
           </a:p>
@@ -2862,7 +2862,7 @@
           <a:p>
             <a:fld id="{48A87A34-81AB-432B-8DAE-1953F412C126}" type="datetimeFigureOut">
               <a:rPr lang="en-US" dirty="0"/>
-              <a:t>7/9/2018</a:t>
+              <a:t>2018-07-10</a:t>
             </a:fld>
             <a:endParaRPr lang="en-US" dirty="0"/>
           </a:p>
@@ -3032,7 +3032,7 @@
           <a:p>
             <a:fld id="{48A87A34-81AB-432B-8DAE-1953F412C126}" type="datetimeFigureOut">
               <a:rPr lang="en-US" dirty="0"/>
-              <a:t>7/9/2018</a:t>
+              <a:t>2018-07-10</a:t>
             </a:fld>
             <a:endParaRPr lang="en-US" dirty="0"/>
           </a:p>
@@ -3251,7 +3251,7 @@
             <a:fld id="{48A87A34-81AB-432B-8DAE-1953F412C126}" type="datetimeFigureOut">
               <a:rPr lang="en-US" dirty="0"/>
               <a:pPr/>
-              <a:t>7/9/2018</a:t>
+              <a:t>2018-07-10</a:t>
             </a:fld>
             <a:endParaRPr lang="en-US" dirty="0"/>
           </a:p>
@@ -3426,7 +3426,7 @@
           <a:p>
             <a:fld id="{48A87A34-81AB-432B-8DAE-1953F412C126}" type="datetimeFigureOut">
               <a:rPr lang="en-US" dirty="0"/>
-              <a:t>7/9/2018</a:t>
+              <a:t>2018-07-10</a:t>
             </a:fld>
             <a:endParaRPr lang="en-US" dirty="0"/>
           </a:p>
@@ -3711,7 +3711,7 @@
             <a:fld id="{48A87A34-81AB-432B-8DAE-1953F412C126}" type="datetimeFigureOut">
               <a:rPr lang="en-US" dirty="0"/>
               <a:pPr/>
-              <a:t>7/9/2018</a:t>
+              <a:t>2018-07-10</a:t>
             </a:fld>
             <a:endParaRPr lang="en-US" dirty="0"/>
           </a:p>
@@ -3948,7 +3948,7 @@
           <a:p>
             <a:fld id="{48A87A34-81AB-432B-8DAE-1953F412C126}" type="datetimeFigureOut">
               <a:rPr lang="en-US" dirty="0"/>
-              <a:t>7/9/2018</a:t>
+              <a:t>2018-07-10</a:t>
             </a:fld>
             <a:endParaRPr lang="en-US" dirty="0"/>
           </a:p>
@@ -4322,7 +4322,7 @@
           <a:p>
             <a:fld id="{48A87A34-81AB-432B-8DAE-1953F412C126}" type="datetimeFigureOut">
               <a:rPr lang="en-US" dirty="0"/>
-              <a:t>7/9/2018</a:t>
+              <a:t>2018-07-10</a:t>
             </a:fld>
             <a:endParaRPr lang="en-US" dirty="0"/>
           </a:p>
@@ -4435,7 +4435,7 @@
           <a:p>
             <a:fld id="{48A87A34-81AB-432B-8DAE-1953F412C126}" type="datetimeFigureOut">
               <a:rPr lang="en-US" dirty="0"/>
-              <a:t>7/9/2018</a:t>
+              <a:t>2018-07-10</a:t>
             </a:fld>
             <a:endParaRPr lang="en-US" dirty="0"/>
           </a:p>
@@ -4525,7 +4525,7 @@
           <a:p>
             <a:fld id="{48A87A34-81AB-432B-8DAE-1953F412C126}" type="datetimeFigureOut">
               <a:rPr lang="en-US" dirty="0"/>
-              <a:t>7/9/2018</a:t>
+              <a:t>2018-07-10</a:t>
             </a:fld>
             <a:endParaRPr lang="en-US" dirty="0"/>
           </a:p>
@@ -4769,7 +4769,7 @@
           <a:p>
             <a:fld id="{48A87A34-81AB-432B-8DAE-1953F412C126}" type="datetimeFigureOut">
               <a:rPr lang="en-US" dirty="0"/>
-              <a:t>7/9/2018</a:t>
+              <a:t>2018-07-10</a:t>
             </a:fld>
             <a:endParaRPr lang="en-US" dirty="0"/>
           </a:p>
@@ -5021,7 +5021,7 @@
           <a:p>
             <a:fld id="{48A87A34-81AB-432B-8DAE-1953F412C126}" type="datetimeFigureOut">
               <a:rPr lang="en-US" dirty="0"/>
-              <a:t>7/9/2018</a:t>
+              <a:t>2018-07-10</a:t>
             </a:fld>
             <a:endParaRPr lang="en-US" dirty="0"/>
           </a:p>
@@ -5260,7 +5260,7 @@
             <a:fld id="{48A87A34-81AB-432B-8DAE-1953F412C126}" type="datetimeFigureOut">
               <a:rPr lang="en-US" dirty="0"/>
               <a:pPr/>
-              <a:t>7/9/2018</a:t>
+              <a:t>2018-07-10</a:t>
             </a:fld>
             <a:endParaRPr lang="en-US" dirty="0"/>
           </a:p>
@@ -6011,7 +6011,43 @@
           <a:p>
             <a:r>
               <a:rPr lang="en-US" dirty="0"/>
-              <a:t>The project was developed thorough collaboration on GitHub</a:t>
+              <a:t>Cloud database in MySQL</a:t>
+            </a:r>
+          </a:p>
+          <a:p>
+            <a:r>
+              <a:rPr lang="en-US" dirty="0"/>
+              <a:t>Bootstrap as the core design library</a:t>
+            </a:r>
+          </a:p>
+          <a:p>
+            <a:r>
+              <a:rPr lang="en-US" dirty="0"/>
+              <a:t>jQuery and servlets as a validation and design tool</a:t>
+            </a:r>
+          </a:p>
+          <a:p>
+            <a:r>
+              <a:rPr lang="en-US" dirty="0"/>
+              <a:t>AJAX and servlets as Request and Response intermediate</a:t>
+            </a:r>
+          </a:p>
+          <a:p>
+            <a:r>
+              <a:rPr lang="en-US" dirty="0"/>
+              <a:t>To organize web-content </a:t>
+            </a:r>
+            <a:r>
+              <a:rPr lang="en-US"/>
+              <a:t>we </a:t>
+            </a:r>
+            <a:r>
+              <a:rPr lang="en-US" smtClean="0"/>
+              <a:t>use </a:t>
+            </a:r>
+            <a:r>
+              <a:rPr lang="en-US" dirty="0"/>
+              <a:t>pattern from ASP.NET MVC framework</a:t>
             </a:r>
           </a:p>
           <a:p>
@@ -6023,31 +6059,8 @@
           <a:p>
             <a:r>
               <a:rPr lang="en-US" dirty="0"/>
-              <a:t>Cloud database in MySQL</a:t>
-            </a:r>
-          </a:p>
-          <a:p>
-            <a:r>
-              <a:rPr lang="en-US" dirty="0"/>
-              <a:t>jQuery and servlet as a validation and design tool</a:t>
-            </a:r>
-          </a:p>
-          <a:p>
-            <a:r>
-              <a:rPr lang="en-US" dirty="0"/>
-              <a:t>AJAX and servlet as Request and Response intermediate</a:t>
-            </a:r>
-          </a:p>
-          <a:p>
-            <a:r>
-              <a:rPr lang="en-US" dirty="0"/>
-              <a:t>Bootstrap as the core </a:t>
-            </a:r>
-            <a:r>
-              <a:rPr lang="en-US"/>
-              <a:t>design library</a:t>
-            </a:r>
-            <a:endParaRPr lang="en-US" dirty="0"/>
+              <a:t>The project was developed thorough collaboration on GitHub and Slack</a:t>
+            </a:r>
           </a:p>
           <a:p>
             <a:endParaRPr lang="en-US" dirty="0"/>
